--- a/Victor Adeleye.pptx
+++ b/Victor Adeleye.pptx
@@ -345,7 +345,7 @@
             <a:srgbClr val="A4A3A4"/>
           </p15:clr>
         </p15:guide>
-        <p15:guide id="14" pos="1824" userDrawn="1">
+        <p15:guide id="14" pos="1788" userDrawn="1">
           <p15:clr>
             <a:srgbClr val="A4A3A4"/>
           </p15:clr>
@@ -11244,7 +11244,7 @@
       </p:sp>
       <p:pic>
         <p:nvPicPr>
-          <p:cNvPr id="2" name="Picture 1" descr="roc"/>
+          <p:cNvPr id="2" name="Picture 1" descr="C:\Users\ASUS\Documents\GitHub\fetal_health_classifier_kaggle_project\roc.jpgroc"/>
           <p:cNvPicPr>
             <a:picLocks noChangeAspect="1"/>
           </p:cNvPicPr>
@@ -11252,14 +11252,15 @@
         </p:nvPicPr>
         <p:blipFill>
           <a:blip r:embed="rId1"/>
+          <a:srcRect l="16277" r="16277"/>
           <a:stretch>
             <a:fillRect/>
           </a:stretch>
         </p:blipFill>
         <p:spPr>
           <a:xfrm>
-            <a:off x="4758690" y="610870"/>
-            <a:ext cx="4274820" cy="4043680"/>
+            <a:off x="2673350" y="610870"/>
+            <a:ext cx="5792470" cy="4043680"/>
           </a:xfrm>
           <a:prstGeom prst="rect">
             <a:avLst/>
